--- a/主題習題/EX7/Question.pptx
+++ b/主題習題/EX7/Question.pptx
@@ -244,7 +244,7 @@
           <a:p>
             <a:fld id="{1661729F-21EF-407C-BE67-5CB21BB44A8F}" type="datetimeFigureOut">
               <a:rPr lang="zh-TW" altLang="en-US" smtClean="0"/>
-              <a:t>2016/5/17</a:t>
+              <a:t>2018/5/29</a:t>
             </a:fld>
             <a:endParaRPr lang="zh-TW" altLang="en-US"/>
           </a:p>
@@ -414,7 +414,7 @@
           <a:p>
             <a:fld id="{1661729F-21EF-407C-BE67-5CB21BB44A8F}" type="datetimeFigureOut">
               <a:rPr lang="zh-TW" altLang="en-US" smtClean="0"/>
-              <a:t>2016/5/17</a:t>
+              <a:t>2018/5/29</a:t>
             </a:fld>
             <a:endParaRPr lang="zh-TW" altLang="en-US"/>
           </a:p>
@@ -594,7 +594,7 @@
           <a:p>
             <a:fld id="{1661729F-21EF-407C-BE67-5CB21BB44A8F}" type="datetimeFigureOut">
               <a:rPr lang="zh-TW" altLang="en-US" smtClean="0"/>
-              <a:t>2016/5/17</a:t>
+              <a:t>2018/5/29</a:t>
             </a:fld>
             <a:endParaRPr lang="zh-TW" altLang="en-US"/>
           </a:p>
@@ -764,7 +764,7 @@
           <a:p>
             <a:fld id="{1661729F-21EF-407C-BE67-5CB21BB44A8F}" type="datetimeFigureOut">
               <a:rPr lang="zh-TW" altLang="en-US" smtClean="0"/>
-              <a:t>2016/5/17</a:t>
+              <a:t>2018/5/29</a:t>
             </a:fld>
             <a:endParaRPr lang="zh-TW" altLang="en-US"/>
           </a:p>
@@ -1010,7 +1010,7 @@
           <a:p>
             <a:fld id="{1661729F-21EF-407C-BE67-5CB21BB44A8F}" type="datetimeFigureOut">
               <a:rPr lang="zh-TW" altLang="en-US" smtClean="0"/>
-              <a:t>2016/5/17</a:t>
+              <a:t>2018/5/29</a:t>
             </a:fld>
             <a:endParaRPr lang="zh-TW" altLang="en-US"/>
           </a:p>
@@ -1242,7 +1242,7 @@
           <a:p>
             <a:fld id="{1661729F-21EF-407C-BE67-5CB21BB44A8F}" type="datetimeFigureOut">
               <a:rPr lang="zh-TW" altLang="en-US" smtClean="0"/>
-              <a:t>2016/5/17</a:t>
+              <a:t>2018/5/29</a:t>
             </a:fld>
             <a:endParaRPr lang="zh-TW" altLang="en-US"/>
           </a:p>
@@ -1609,7 +1609,7 @@
           <a:p>
             <a:fld id="{1661729F-21EF-407C-BE67-5CB21BB44A8F}" type="datetimeFigureOut">
               <a:rPr lang="zh-TW" altLang="en-US" smtClean="0"/>
-              <a:t>2016/5/17</a:t>
+              <a:t>2018/5/29</a:t>
             </a:fld>
             <a:endParaRPr lang="zh-TW" altLang="en-US"/>
           </a:p>
@@ -1727,7 +1727,7 @@
           <a:p>
             <a:fld id="{1661729F-21EF-407C-BE67-5CB21BB44A8F}" type="datetimeFigureOut">
               <a:rPr lang="zh-TW" altLang="en-US" smtClean="0"/>
-              <a:t>2016/5/17</a:t>
+              <a:t>2018/5/29</a:t>
             </a:fld>
             <a:endParaRPr lang="zh-TW" altLang="en-US"/>
           </a:p>
@@ -1822,7 +1822,7 @@
           <a:p>
             <a:fld id="{1661729F-21EF-407C-BE67-5CB21BB44A8F}" type="datetimeFigureOut">
               <a:rPr lang="zh-TW" altLang="en-US" smtClean="0"/>
-              <a:t>2016/5/17</a:t>
+              <a:t>2018/5/29</a:t>
             </a:fld>
             <a:endParaRPr lang="zh-TW" altLang="en-US"/>
           </a:p>
@@ -2099,7 +2099,7 @@
           <a:p>
             <a:fld id="{1661729F-21EF-407C-BE67-5CB21BB44A8F}" type="datetimeFigureOut">
               <a:rPr lang="zh-TW" altLang="en-US" smtClean="0"/>
-              <a:t>2016/5/17</a:t>
+              <a:t>2018/5/29</a:t>
             </a:fld>
             <a:endParaRPr lang="zh-TW" altLang="en-US"/>
           </a:p>
@@ -2352,7 +2352,7 @@
           <a:p>
             <a:fld id="{1661729F-21EF-407C-BE67-5CB21BB44A8F}" type="datetimeFigureOut">
               <a:rPr lang="zh-TW" altLang="en-US" smtClean="0"/>
-              <a:t>2016/5/17</a:t>
+              <a:t>2018/5/29</a:t>
             </a:fld>
             <a:endParaRPr lang="zh-TW" altLang="en-US"/>
           </a:p>
@@ -2565,7 +2565,7 @@
           <a:p>
             <a:fld id="{1661729F-21EF-407C-BE67-5CB21BB44A8F}" type="datetimeFigureOut">
               <a:rPr lang="zh-TW" altLang="en-US" smtClean="0"/>
-              <a:t>2016/5/17</a:t>
+              <a:t>2018/5/29</a:t>
             </a:fld>
             <a:endParaRPr lang="zh-TW" altLang="en-US"/>
           </a:p>
@@ -3043,34 +3043,7 @@
             </a:r>
             <a:r>
               <a:rPr lang="zh-TW" altLang="en-US" dirty="0" smtClean="0"/>
-              <a:t>法解線性</a:t>
-            </a:r>
-            <a:r>
-              <a:rPr lang="zh-TW" altLang="en-US" dirty="0" smtClean="0"/>
-              <a:t>系統</a:t>
-            </a:r>
-            <a:endParaRPr lang="en-US" altLang="zh-TW" dirty="0" smtClean="0"/>
-          </a:p>
-          <a:p>
-            <a:r>
-              <a:rPr lang="zh-TW" altLang="en-US" dirty="0" smtClean="0"/>
-              <a:t>行列是為</a:t>
-            </a:r>
-            <a:r>
-              <a:rPr lang="en-US" altLang="zh-TW" dirty="0" smtClean="0"/>
-              <a:t>0</a:t>
-            </a:r>
-            <a:r>
-              <a:rPr lang="zh-TW" altLang="en-US" dirty="0" smtClean="0"/>
-              <a:t>，</a:t>
-            </a:r>
-            <a:r>
-              <a:rPr lang="en-US" altLang="zh-TW" dirty="0" smtClean="0"/>
-              <a:t>linear dependence</a:t>
-            </a:r>
-            <a:r>
-              <a:rPr lang="zh-TW" altLang="en-US" dirty="0" smtClean="0"/>
-              <a:t>，否則輸出行列式值及解的向量</a:t>
+              <a:t>法解線性系統</a:t>
             </a:r>
             <a:endParaRPr lang="en-US" altLang="zh-TW" dirty="0" smtClean="0"/>
           </a:p>
@@ -3104,38 +3077,66 @@
             <a:pPr lvl="1"/>
             <a:r>
               <a:rPr lang="zh-TW" altLang="en-US" dirty="0"/>
+              <a:t>可變</a:t>
+            </a:r>
+            <a:r>
+              <a:rPr lang="en-US" altLang="zh-TW" dirty="0"/>
+              <a:t>N</a:t>
+            </a:r>
+            <a:r>
+              <a:rPr lang="zh-TW" altLang="en-US" dirty="0"/>
+              <a:t>值，</a:t>
+            </a:r>
+            <a:r>
+              <a:rPr lang="en-US" altLang="zh-TW" dirty="0" smtClean="0"/>
+              <a:t>1~100</a:t>
+            </a:r>
+          </a:p>
+          <a:p>
+            <a:pPr lvl="1"/>
+            <a:r>
+              <a:rPr lang="zh-TW" altLang="en-US" dirty="0" smtClean="0"/>
+              <a:t>正確性</a:t>
+            </a:r>
+            <a:r>
+              <a:rPr lang="en-US" altLang="zh-TW" dirty="0" smtClean="0"/>
+              <a:t>:80</a:t>
+            </a:r>
+            <a:r>
+              <a:rPr lang="zh-TW" altLang="en-US" dirty="0"/>
+              <a:t>分</a:t>
+            </a:r>
+            <a:endParaRPr lang="en-US" altLang="zh-TW" dirty="0" smtClean="0"/>
+          </a:p>
+          <a:p>
+            <a:pPr lvl="1"/>
+            <a:r>
+              <a:rPr lang="zh-TW" altLang="en-US" dirty="0"/>
               <a:t>有一個驗算的</a:t>
             </a:r>
             <a:r>
               <a:rPr lang="zh-TW" altLang="en-US" dirty="0" smtClean="0"/>
               <a:t>副程式</a:t>
             </a:r>
+            <a:r>
+              <a:rPr lang="en-US" altLang="zh-TW" dirty="0" smtClean="0"/>
+              <a:t>:10</a:t>
+            </a:r>
+            <a:r>
+              <a:rPr lang="zh-TW" altLang="en-US" dirty="0" smtClean="0"/>
+              <a:t>分</a:t>
+            </a:r>
             <a:endParaRPr lang="en-US" altLang="zh-TW" dirty="0" smtClean="0"/>
           </a:p>
           <a:p>
             <a:pPr lvl="1"/>
             <a:r>
+              <a:rPr lang="zh-TW" altLang="en-US" dirty="0" smtClean="0"/>
+              <a:t>必須</a:t>
+            </a:r>
+            <a:r>
               <a:rPr lang="zh-TW" altLang="en-US" dirty="0"/>
-              <a:t>可變</a:t>
-            </a:r>
-            <a:r>
-              <a:rPr lang="en-US" altLang="zh-TW" dirty="0"/>
-              <a:t>N</a:t>
-            </a:r>
-            <a:r>
-              <a:rPr lang="zh-TW" altLang="en-US" dirty="0" smtClean="0"/>
-              <a:t>值，</a:t>
-            </a:r>
-            <a:r>
-              <a:rPr lang="en-US" altLang="zh-TW" dirty="0" smtClean="0"/>
-              <a:t>1~100</a:t>
-            </a:r>
-          </a:p>
-          <a:p>
-            <a:pPr lvl="1"/>
-            <a:r>
-              <a:rPr lang="zh-TW" altLang="en-US" dirty="0"/>
-              <a:t>必須使用檔案</a:t>
+              <a:t>使用檔案</a:t>
             </a:r>
             <a:r>
               <a:rPr lang="en-US" altLang="zh-TW" dirty="0"/>
@@ -3143,23 +3144,11 @@
             </a:r>
             <a:r>
               <a:rPr lang="zh-TW" altLang="en-US" dirty="0" smtClean="0"/>
-              <a:t>，以命令列引數輸入</a:t>
-            </a:r>
-            <a:r>
-              <a:rPr lang="zh-TW" altLang="en-US" dirty="0" smtClean="0"/>
-              <a:t>檔名</a:t>
-            </a:r>
-            <a:endParaRPr lang="en-US" altLang="zh-TW" dirty="0" smtClean="0"/>
-          </a:p>
-          <a:p>
-            <a:pPr lvl="1"/>
-            <a:r>
-              <a:rPr lang="zh-TW" altLang="en-US" dirty="0" smtClean="0"/>
-              <a:t>程式風格不佳扣</a:t>
+              <a:t>，以命令列引數輸入檔名</a:t>
             </a:r>
             <a:r>
               <a:rPr lang="en-US" altLang="zh-TW" dirty="0" smtClean="0"/>
-              <a:t>1~10</a:t>
+              <a:t>:10</a:t>
             </a:r>
             <a:r>
               <a:rPr lang="zh-TW" altLang="en-US" dirty="0" smtClean="0"/>
@@ -3171,68 +3160,27 @@
             <a:pPr lvl="1"/>
             <a:r>
               <a:rPr lang="zh-TW" altLang="en-US" dirty="0" smtClean="0"/>
-              <a:t>輸入格式</a:t>
-            </a:r>
+              <a:t>風格不</a:t>
+            </a:r>
+            <a:r>
+              <a:rPr lang="zh-TW" altLang="en-US" smtClean="0"/>
+              <a:t>佳者分數倒扣</a:t>
+            </a:r>
+            <a:endParaRPr lang="en-US" altLang="zh-TW" dirty="0" smtClean="0"/>
+          </a:p>
+          <a:p>
             <a:r>
               <a:rPr lang="en-US" altLang="zh-TW" dirty="0" smtClean="0"/>
-              <a:t>:</a:t>
-            </a:r>
+              <a:t>Bonus</a:t>
+            </a:r>
+            <a:endParaRPr lang="en-US" altLang="zh-TW" dirty="0" smtClean="0"/>
+          </a:p>
+          <a:p>
+            <a:pPr lvl="1"/>
             <a:r>
               <a:rPr lang="zh-TW" altLang="en-US" dirty="0" smtClean="0"/>
-              <a:t>第一行為</a:t>
-            </a:r>
-            <a:r>
-              <a:rPr lang="en-US" altLang="zh-TW" dirty="0" smtClean="0"/>
-              <a:t>N</a:t>
-            </a:r>
-            <a:r>
-              <a:rPr lang="zh-TW" altLang="en-US" dirty="0" smtClean="0"/>
-              <a:t>，接下來</a:t>
-            </a:r>
-            <a:r>
-              <a:rPr lang="en-US" altLang="zh-TW" dirty="0" smtClean="0"/>
-              <a:t>N</a:t>
-            </a:r>
-            <a:r>
-              <a:rPr lang="zh-TW" altLang="en-US" dirty="0" smtClean="0"/>
-              <a:t>行為</a:t>
-            </a:r>
-            <a:r>
-              <a:rPr lang="en-US" altLang="zh-TW" dirty="0" smtClean="0"/>
-              <a:t>A</a:t>
-            </a:r>
-            <a:r>
-              <a:rPr lang="zh-TW" altLang="en-US" dirty="0" smtClean="0"/>
-              <a:t>矩陣，最後一行</a:t>
-            </a:r>
-            <a:r>
-              <a:rPr lang="en-US" altLang="zh-TW" dirty="0" smtClean="0"/>
-              <a:t>B</a:t>
-            </a:r>
-            <a:r>
-              <a:rPr lang="zh-TW" altLang="en-US" dirty="0" smtClean="0"/>
-              <a:t>向量，</a:t>
-            </a:r>
-            <a:r>
-              <a:rPr lang="en-US" altLang="zh-TW" dirty="0" smtClean="0"/>
-              <a:t>N</a:t>
-            </a:r>
-            <a:r>
-              <a:rPr lang="zh-TW" altLang="en-US" dirty="0" smtClean="0"/>
-              <a:t>為</a:t>
-            </a:r>
-            <a:r>
-              <a:rPr lang="en-US" altLang="zh-TW" dirty="0" smtClean="0"/>
-              <a:t>0</a:t>
-            </a:r>
-            <a:r>
-              <a:rPr lang="zh-TW" altLang="en-US" dirty="0" smtClean="0"/>
-              <a:t>時則輸入結束</a:t>
-            </a:r>
-            <a:endParaRPr lang="en-US" altLang="zh-TW" dirty="0" smtClean="0"/>
-          </a:p>
-          <a:p>
-            <a:pPr lvl="1"/>
+              <a:t>疊代法</a:t>
+            </a:r>
             <a:endParaRPr lang="en-US" altLang="zh-TW" dirty="0"/>
           </a:p>
         </p:txBody>
